--- a/Slides-TopologicalSort.pptx
+++ b/Slides-TopologicalSort.pptx
@@ -5,7 +5,7 @@
     <p:sldMasterId id="2147483648" r:id="rId1"/>
   </p:sldMasterIdLst>
   <p:notesMasterIdLst>
-    <p:notesMasterId r:id="rId9"/>
+    <p:notesMasterId r:id="rId10"/>
   </p:notesMasterIdLst>
   <p:sldIdLst>
     <p:sldId id="256" r:id="rId2"/>
@@ -15,6 +15,7 @@
     <p:sldId id="260" r:id="rId6"/>
     <p:sldId id="261" r:id="rId7"/>
     <p:sldId id="262" r:id="rId8"/>
+    <p:sldId id="263" r:id="rId9"/>
   </p:sldIdLst>
   <p:sldSz cx="13004800" cy="9753600"/>
   <p:notesSz cx="6858000" cy="9144000"/>
@@ -316,6 +317,11 @@
       </a:defRPr>
     </a:lvl9pPr>
   </p:defaultTextStyle>
+  <p:extLst>
+    <p:ext uri="{EFAFB233-063F-42B5-8137-9DF3F51BA10A}">
+      <p15:sldGuideLst xmlns:p15="http://schemas.microsoft.com/office/powerpoint/2012/main"/>
+    </p:ext>
+  </p:extLst>
 </p:presentation>
 </file>
 
@@ -1082,7 +1088,7 @@
           </a:ln>
           <a:extLst>
             <a:ext uri="{C572A759-6A51-4108-AA02-DFA0A04FC94B}">
-              <ma14:wrappingTextBoxFlag xmlns:ma14="http://schemas.microsoft.com/office/mac/drawingml/2011/main" xmlns="" val="1"/>
+              <ma14:wrappingTextBoxFlag xmlns="" xmlns:ma14="http://schemas.microsoft.com/office/mac/drawingml/2011/main" val="1"/>
             </a:ext>
           </a:extLst>
         </p:spPr>
@@ -1121,7 +1127,7 @@
           </a:ln>
           <a:extLst>
             <a:ext uri="{C572A759-6A51-4108-AA02-DFA0A04FC94B}">
-              <ma14:wrappingTextBoxFlag xmlns:ma14="http://schemas.microsoft.com/office/mac/drawingml/2011/main" xmlns="" val="1"/>
+              <ma14:wrappingTextBoxFlag xmlns="" xmlns:ma14="http://schemas.microsoft.com/office/mac/drawingml/2011/main" val="1"/>
             </a:ext>
           </a:extLst>
         </p:spPr>
@@ -2112,7 +2118,7 @@
           </a:ln>
           <a:extLst>
             <a:ext uri="{C572A759-6A51-4108-AA02-DFA0A04FC94B}">
-              <ma14:wrappingTextBoxFlag xmlns:ma14="http://schemas.microsoft.com/office/mac/drawingml/2011/main" xmlns="" val="1"/>
+              <ma14:wrappingTextBoxFlag xmlns="" xmlns:ma14="http://schemas.microsoft.com/office/mac/drawingml/2011/main" val="1"/>
             </a:ext>
           </a:extLst>
         </p:spPr>
@@ -2166,7 +2172,7 @@
           </a:ln>
           <a:extLst>
             <a:ext uri="{C572A759-6A51-4108-AA02-DFA0A04FC94B}">
-              <ma14:wrappingTextBoxFlag xmlns:ma14="http://schemas.microsoft.com/office/mac/drawingml/2011/main" xmlns="" val="1"/>
+              <ma14:wrappingTextBoxFlag xmlns="" xmlns:ma14="http://schemas.microsoft.com/office/mac/drawingml/2011/main" val="1"/>
             </a:ext>
           </a:extLst>
         </p:spPr>
@@ -2661,7 +2667,7 @@
           <a:p>
             <a:r>
               <a:rPr lang="pt-BR" dirty="0"/>
-              <a:t>Caso haja um ciclo, não é possível encontrar uma ordem correta de execução para este.</a:t>
+              <a:t>Caso haja um ciclo, não é possível encontrar uma ordem correta de execução.</a:t>
             </a:r>
           </a:p>
           <a:p>
@@ -2673,7 +2679,7 @@
           <a:p>
             <a:r>
               <a:rPr lang="pt-BR" dirty="0"/>
-              <a:t>O código é feito através de uma modificação no algoritmo da busca em profundidade (DFS).</a:t>
+              <a:t>O código é feito por meio de uma modificação no algoritmo da busca em profundidade (DFS).</a:t>
             </a:r>
           </a:p>
           <a:p>
@@ -3616,6 +3622,98 @@
       </p:transition>
     </mc:Fallback>
   </mc:AlternateContent>
+</p:sld>
+</file>
+
+<file path=ppt/slides/slide8.xml><?xml version="1.0" encoding="utf-8"?>
+<p:sld xmlns:a="http://schemas.openxmlformats.org/drawingml/2006/main" xmlns:r="http://schemas.openxmlformats.org/officeDocument/2006/relationships" xmlns:p="http://schemas.openxmlformats.org/presentationml/2006/main">
+  <p:cSld>
+    <p:spTree>
+      <p:nvGrpSpPr>
+        <p:cNvPr id="1" name=""/>
+        <p:cNvGrpSpPr/>
+        <p:nvPr/>
+      </p:nvGrpSpPr>
+      <p:grpSpPr>
+        <a:xfrm>
+          <a:off x="0" y="0"/>
+          <a:ext cx="0" cy="0"/>
+          <a:chOff x="0" y="0"/>
+          <a:chExt cx="0" cy="0"/>
+        </a:xfrm>
+      </p:grpSpPr>
+      <p:sp>
+        <p:nvSpPr>
+          <p:cNvPr id="2" name="Espaço Reservado para Texto 1">
+            <a:extLst>
+              <a:ext uri="{FF2B5EF4-FFF2-40B4-BE49-F238E27FC236}">
+                <a16:creationId xmlns:a16="http://schemas.microsoft.com/office/drawing/2014/main" id="{38F697E0-8C0A-4B76-B23F-57FC8C2B98F6}"/>
+              </a:ext>
+            </a:extLst>
+          </p:cNvPr>
+          <p:cNvSpPr>
+            <a:spLocks noGrp="1"/>
+          </p:cNvSpPr>
+          <p:nvPr>
+            <p:ph type="body" sz="quarter" idx="13"/>
+          </p:nvPr>
+        </p:nvSpPr>
+        <p:spPr>
+          <a:xfrm>
+            <a:off x="1270000" y="6362700"/>
+            <a:ext cx="10464800" cy="471924"/>
+          </a:xfrm>
+        </p:spPr>
+        <p:txBody>
+          <a:bodyPr/>
+          <a:lstStyle/>
+          <a:p>
+            <a:r>
+              <a:rPr lang="pt-BR" dirty="0"/>
+              <a:t> </a:t>
+            </a:r>
+          </a:p>
+        </p:txBody>
+      </p:sp>
+      <p:sp>
+        <p:nvSpPr>
+          <p:cNvPr id="3" name="Espaço Reservado para Texto 2">
+            <a:extLst>
+              <a:ext uri="{FF2B5EF4-FFF2-40B4-BE49-F238E27FC236}">
+                <a16:creationId xmlns:a16="http://schemas.microsoft.com/office/drawing/2014/main" id="{74E02175-7D52-41ED-8F0D-165AF662550F}"/>
+              </a:ext>
+            </a:extLst>
+          </p:cNvPr>
+          <p:cNvSpPr>
+            <a:spLocks noGrp="1"/>
+          </p:cNvSpPr>
+          <p:nvPr>
+            <p:ph type="body" sz="quarter" idx="14"/>
+          </p:nvPr>
+        </p:nvSpPr>
+        <p:spPr/>
+        <p:txBody>
+          <a:bodyPr/>
+          <a:lstStyle/>
+          <a:p>
+            <a:r>
+              <a:rPr lang="pt-BR" dirty="0"/>
+              <a:t>Dúvidas?</a:t>
+            </a:r>
+          </a:p>
+        </p:txBody>
+      </p:sp>
+    </p:spTree>
+    <p:extLst>
+      <p:ext uri="{BB962C8B-B14F-4D97-AF65-F5344CB8AC3E}">
+        <p14:creationId xmlns:p14="http://schemas.microsoft.com/office/powerpoint/2010/main" val="1699266286"/>
+      </p:ext>
+    </p:extLst>
+  </p:cSld>
+  <p:clrMapOvr>
+    <a:masterClrMapping/>
+  </p:clrMapOvr>
+  <p:transition spd="med"/>
 </p:sld>
 </file>
 

--- a/Slides-TopologicalSort.pptx
+++ b/Slides-TopologicalSort.pptx
@@ -1088,7 +1088,7 @@
           </a:ln>
           <a:extLst>
             <a:ext uri="{C572A759-6A51-4108-AA02-DFA0A04FC94B}">
-              <ma14:wrappingTextBoxFlag xmlns="" xmlns:ma14="http://schemas.microsoft.com/office/mac/drawingml/2011/main" val="1"/>
+              <ma14:wrappingTextBoxFlag xmlns:ma14="http://schemas.microsoft.com/office/mac/drawingml/2011/main" xmlns="" val="1"/>
             </a:ext>
           </a:extLst>
         </p:spPr>
@@ -1127,7 +1127,7 @@
           </a:ln>
           <a:extLst>
             <a:ext uri="{C572A759-6A51-4108-AA02-DFA0A04FC94B}">
-              <ma14:wrappingTextBoxFlag xmlns="" xmlns:ma14="http://schemas.microsoft.com/office/mac/drawingml/2011/main" val="1"/>
+              <ma14:wrappingTextBoxFlag xmlns:ma14="http://schemas.microsoft.com/office/mac/drawingml/2011/main" xmlns="" val="1"/>
             </a:ext>
           </a:extLst>
         </p:spPr>
@@ -2118,7 +2118,7 @@
           </a:ln>
           <a:extLst>
             <a:ext uri="{C572A759-6A51-4108-AA02-DFA0A04FC94B}">
-              <ma14:wrappingTextBoxFlag xmlns="" xmlns:ma14="http://schemas.microsoft.com/office/mac/drawingml/2011/main" val="1"/>
+              <ma14:wrappingTextBoxFlag xmlns:ma14="http://schemas.microsoft.com/office/mac/drawingml/2011/main" xmlns="" val="1"/>
             </a:ext>
           </a:extLst>
         </p:spPr>
@@ -2172,7 +2172,7 @@
           </a:ln>
           <a:extLst>
             <a:ext uri="{C572A759-6A51-4108-AA02-DFA0A04FC94B}">
-              <ma14:wrappingTextBoxFlag xmlns="" xmlns:ma14="http://schemas.microsoft.com/office/mac/drawingml/2011/main" val="1"/>
+              <ma14:wrappingTextBoxFlag xmlns:ma14="http://schemas.microsoft.com/office/mac/drawingml/2011/main" xmlns="" val="1"/>
             </a:ext>
           </a:extLst>
         </p:spPr>

--- a/Slides-TopologicalSort.pptx
+++ b/Slides-TopologicalSort.pptx
@@ -1088,7 +1088,7 @@
           </a:ln>
           <a:extLst>
             <a:ext uri="{C572A759-6A51-4108-AA02-DFA0A04FC94B}">
-              <ma14:wrappingTextBoxFlag xmlns:ma14="http://schemas.microsoft.com/office/mac/drawingml/2011/main" xmlns="" val="1"/>
+              <ma14:wrappingTextBoxFlag xmlns="" xmlns:ma14="http://schemas.microsoft.com/office/mac/drawingml/2011/main" val="1"/>
             </a:ext>
           </a:extLst>
         </p:spPr>
@@ -1127,7 +1127,7 @@
           </a:ln>
           <a:extLst>
             <a:ext uri="{C572A759-6A51-4108-AA02-DFA0A04FC94B}">
-              <ma14:wrappingTextBoxFlag xmlns:ma14="http://schemas.microsoft.com/office/mac/drawingml/2011/main" xmlns="" val="1"/>
+              <ma14:wrappingTextBoxFlag xmlns="" xmlns:ma14="http://schemas.microsoft.com/office/mac/drawingml/2011/main" val="1"/>
             </a:ext>
           </a:extLst>
         </p:spPr>
@@ -2118,7 +2118,7 @@
           </a:ln>
           <a:extLst>
             <a:ext uri="{C572A759-6A51-4108-AA02-DFA0A04FC94B}">
-              <ma14:wrappingTextBoxFlag xmlns:ma14="http://schemas.microsoft.com/office/mac/drawingml/2011/main" xmlns="" val="1"/>
+              <ma14:wrappingTextBoxFlag xmlns="" xmlns:ma14="http://schemas.microsoft.com/office/mac/drawingml/2011/main" val="1"/>
             </a:ext>
           </a:extLst>
         </p:spPr>
@@ -2172,7 +2172,7 @@
           </a:ln>
           <a:extLst>
             <a:ext uri="{C572A759-6A51-4108-AA02-DFA0A04FC94B}">
-              <ma14:wrappingTextBoxFlag xmlns:ma14="http://schemas.microsoft.com/office/mac/drawingml/2011/main" xmlns="" val="1"/>
+              <ma14:wrappingTextBoxFlag xmlns="" xmlns:ma14="http://schemas.microsoft.com/office/mac/drawingml/2011/main" val="1"/>
             </a:ext>
           </a:extLst>
         </p:spPr>
